--- a/Online learning Platform.pptx
+++ b/Online learning Platform.pptx
@@ -209,7 +209,7 @@
           <a:p>
             <a:fld id="{C452ADB1-275D-430A-89EE-5C7E6CFF6FF2}" type="datetimeFigureOut">
               <a:rPr lang="en-US" smtClean="0"/>
-              <a:t>8/12/2024</a:t>
+              <a:t>4/23/2025</a:t>
             </a:fld>
             <a:endParaRPr lang="en-US" dirty="0"/>
           </a:p>
@@ -9269,7 +9269,7 @@
           <a:p>
             <a:fld id="{7005E26E-BCB2-4FD5-8FD5-81A5EAE94C21}" type="datetime1">
               <a:rPr lang="en-US" smtClean="0"/>
-              <a:t>8/12/2024</a:t>
+              <a:t>4/23/2025</a:t>
             </a:fld>
             <a:endParaRPr lang="en-US" dirty="0"/>
           </a:p>
@@ -9471,7 +9471,7 @@
           <a:p>
             <a:fld id="{9CC2E9B8-0487-42E4-B571-744A3D775783}" type="datetime1">
               <a:rPr lang="en-US" smtClean="0"/>
-              <a:t>8/12/2024</a:t>
+              <a:t>4/23/2025</a:t>
             </a:fld>
             <a:endParaRPr lang="en-US" dirty="0"/>
           </a:p>
@@ -9646,7 +9646,7 @@
           <a:p>
             <a:fld id="{9052E32D-1E84-43FD-8158-FFFE757EB0E8}" type="datetime1">
               <a:rPr lang="en-US" smtClean="0"/>
-              <a:t>8/12/2024</a:t>
+              <a:t>4/23/2025</a:t>
             </a:fld>
             <a:endParaRPr lang="en-US" dirty="0"/>
           </a:p>
@@ -9846,7 +9846,7 @@
           <a:p>
             <a:fld id="{8585C470-CD19-455C-B830-6D252EAD7FE5}" type="datetime1">
               <a:rPr lang="en-US" smtClean="0"/>
-              <a:t>8/12/2024</a:t>
+              <a:t>4/23/2025</a:t>
             </a:fld>
             <a:endParaRPr lang="en-US" dirty="0"/>
           </a:p>
@@ -18739,7 +18739,7 @@
           <a:p>
             <a:fld id="{7F85C43C-50D9-4F49-A136-0EFF292F93ED}" type="datetime1">
               <a:rPr lang="en-US" smtClean="0"/>
-              <a:t>8/12/2024</a:t>
+              <a:t>4/23/2025</a:t>
             </a:fld>
             <a:endParaRPr lang="en-US" dirty="0"/>
           </a:p>
@@ -19008,7 +19008,7 @@
           <a:p>
             <a:fld id="{7B53B1A3-0AEF-4064-A724-D27D660C8653}" type="datetime1">
               <a:rPr lang="en-US" smtClean="0"/>
-              <a:t>8/12/2024</a:t>
+              <a:t>4/23/2025</a:t>
             </a:fld>
             <a:endParaRPr lang="en-US" dirty="0"/>
           </a:p>
@@ -19401,7 +19401,7 @@
           <a:p>
             <a:fld id="{37D5D0F2-BF66-4A24-9384-A0129B196518}" type="datetime1">
               <a:rPr lang="en-US" smtClean="0"/>
-              <a:t>8/12/2024</a:t>
+              <a:t>4/23/2025</a:t>
             </a:fld>
             <a:endParaRPr lang="en-US" dirty="0"/>
           </a:p>
@@ -19514,7 +19514,7 @@
           <a:p>
             <a:fld id="{8C318A6C-4F6B-48D2-BDB0-D7413B3FDB0A}" type="datetime1">
               <a:rPr lang="en-US" smtClean="0"/>
-              <a:t>8/12/2024</a:t>
+              <a:t>4/23/2025</a:t>
             </a:fld>
             <a:endParaRPr lang="en-US" dirty="0"/>
           </a:p>
@@ -19604,7 +19604,7 @@
           <a:p>
             <a:fld id="{BF01ECED-6ECE-4989-B917-9D4D7E6D3C76}" type="datetime1">
               <a:rPr lang="en-US" smtClean="0"/>
-              <a:t>8/12/2024</a:t>
+              <a:t>4/23/2025</a:t>
             </a:fld>
             <a:endParaRPr lang="en-US" dirty="0"/>
           </a:p>
@@ -19889,7 +19889,7 @@
           <a:p>
             <a:fld id="{E3B570E1-CB40-488E-8C6F-EF4211DFFCB0}" type="datetime1">
               <a:rPr lang="en-US" smtClean="0"/>
-              <a:t>8/12/2024</a:t>
+              <a:t>4/23/2025</a:t>
             </a:fld>
             <a:endParaRPr lang="en-US" dirty="0"/>
           </a:p>
@@ -20164,7 +20164,7 @@
           <a:p>
             <a:fld id="{D1CEB6AF-9F5C-43BE-879E-CB9514111250}" type="datetime1">
               <a:rPr lang="en-US" smtClean="0"/>
-              <a:t>8/12/2024</a:t>
+              <a:t>4/23/2025</a:t>
             </a:fld>
             <a:endParaRPr lang="en-US" dirty="0"/>
           </a:p>
@@ -20409,7 +20409,7 @@
           <a:p>
             <a:fld id="{E7EE424C-FCA3-4EDD-B274-8E055D649B7D}" type="datetime1">
               <a:rPr lang="en-US" smtClean="0"/>
-              <a:t>8/12/2024</a:t>
+              <a:t>4/23/2025</a:t>
             </a:fld>
             <a:endParaRPr lang="en-US" dirty="0"/>
           </a:p>
@@ -21251,7 +21251,15 @@
                   <a:srgbClr val="FFFFFF"/>
                 </a:solidFill>
               </a:rPr>
-              <a:t>Shahana Rifkhan</a:t>
+              <a:t>Khushi </a:t>
+            </a:r>
+            <a:r>
+              <a:rPr lang="en-US" dirty="0" err="1">
+                <a:solidFill>
+                  <a:srgbClr val="FFFFFF"/>
+                </a:solidFill>
+              </a:rPr>
+              <a:t>Khendalwal</a:t>
             </a:r>
             <a:endParaRPr lang="en-CA" dirty="0"/>
           </a:p>
@@ -26222,20 +26230,20 @@
 </file>
 
 <file path=customXml/item1.xml><?xml version="1.0" encoding="utf-8"?>
-<p:properties xmlns:p="http://schemas.microsoft.com/office/2006/metadata/properties" xmlns:xsi="http://www.w3.org/2001/XMLSchema-instance" xmlns:pc="http://schemas.microsoft.com/office/infopath/2007/PartnerControls">
-  <documentManagement>
-    <MediaServiceKeyPoints xmlns="71af3243-3dd4-4a8d-8c0d-dd76da1f02a5" xsi:nil="true"/>
-  </documentManagement>
-</p:properties>
-</file>
-
-<file path=customXml/item2.xml><?xml version="1.0" encoding="utf-8"?>
 <?mso-contentType ?>
 <FormTemplates xmlns="http://schemas.microsoft.com/sharepoint/v3/contenttype/forms">
   <Display>DocumentLibraryForm</Display>
   <Edit>DocumentLibraryForm</Edit>
   <New>DocumentLibraryForm</New>
 </FormTemplates>
+</file>
+
+<file path=customXml/item2.xml><?xml version="1.0" encoding="utf-8"?>
+<p:properties xmlns:p="http://schemas.microsoft.com/office/2006/metadata/properties" xmlns:xsi="http://www.w3.org/2001/XMLSchema-instance" xmlns:pc="http://schemas.microsoft.com/office/infopath/2007/PartnerControls">
+  <documentManagement>
+    <MediaServiceKeyPoints xmlns="71af3243-3dd4-4a8d-8c0d-dd76da1f02a5" xsi:nil="true"/>
+  </documentManagement>
+</p:properties>
 </file>
 
 <file path=customXml/item3.xml><?xml version="1.0" encoding="utf-8"?>
@@ -26450,19 +26458,19 @@
 </file>
 
 <file path=customXml/itemProps1.xml><?xml version="1.0" encoding="utf-8"?>
+<ds:datastoreItem xmlns:ds="http://schemas.openxmlformats.org/officeDocument/2006/customXml" ds:itemID="{4F44C90D-2A62-4985-9618-3460247437B1}">
+  <ds:schemaRefs>
+    <ds:schemaRef ds:uri="http://schemas.microsoft.com/sharepoint/v3/contenttype/forms"/>
+  </ds:schemaRefs>
+</ds:datastoreItem>
+</file>
+
+<file path=customXml/itemProps2.xml><?xml version="1.0" encoding="utf-8"?>
 <ds:datastoreItem xmlns:ds="http://schemas.openxmlformats.org/officeDocument/2006/customXml" ds:itemID="{788A2F88-55C5-4ED1-9541-807C65424763}">
   <ds:schemaRefs>
     <ds:schemaRef ds:uri="http://schemas.microsoft.com/office/2006/metadata/properties"/>
     <ds:schemaRef ds:uri="http://schemas.microsoft.com/office/infopath/2007/PartnerControls"/>
     <ds:schemaRef ds:uri="71af3243-3dd4-4a8d-8c0d-dd76da1f02a5"/>
-  </ds:schemaRefs>
-</ds:datastoreItem>
-</file>
-
-<file path=customXml/itemProps2.xml><?xml version="1.0" encoding="utf-8"?>
-<ds:datastoreItem xmlns:ds="http://schemas.openxmlformats.org/officeDocument/2006/customXml" ds:itemID="{4F44C90D-2A62-4985-9618-3460247437B1}">
-  <ds:schemaRefs>
-    <ds:schemaRef ds:uri="http://schemas.microsoft.com/sharepoint/v3/contenttype/forms"/>
   </ds:schemaRefs>
 </ds:datastoreItem>
 </file>
